--- a/Artificial Intelligence/Naive Bayes.pptx
+++ b/Artificial Intelligence/Naive Bayes.pptx
@@ -1,31 +1,31 @@
 
 <file path=ppt/presentation.xml><?xml version="1.0" encoding="utf-8"?>
-<p:presentation xmlns:a="http://schemas.openxmlformats.org/drawingml/2006/main" xmlns:r="http://schemas.openxmlformats.org/officeDocument/2006/relationships" xmlns:p="http://schemas.openxmlformats.org/presentationml/2006/main" saveSubsetFonts="1">
+<p:presentation xmlns:a="http://schemas.openxmlformats.org/drawingml/2006/main" xmlns:r="http://schemas.openxmlformats.org/officeDocument/2006/relationships" xmlns:p="http://schemas.openxmlformats.org/presentationml/2006/main">
   <p:sldMasterIdLst>
     <p:sldMasterId id="2147483648" r:id="rId1"/>
   </p:sldMasterIdLst>
   <p:sldIdLst>
-    <p:sldId id="256" r:id="rId2"/>
-    <p:sldId id="257" r:id="rId3"/>
-    <p:sldId id="258" r:id="rId4"/>
-    <p:sldId id="259" r:id="rId5"/>
-    <p:sldId id="260" r:id="rId6"/>
-    <p:sldId id="261" r:id="rId7"/>
-    <p:sldId id="262" r:id="rId8"/>
-    <p:sldId id="263" r:id="rId9"/>
-    <p:sldId id="264" r:id="rId10"/>
-    <p:sldId id="265" r:id="rId11"/>
-    <p:sldId id="266" r:id="rId12"/>
-    <p:sldId id="267" r:id="rId13"/>
-    <p:sldId id="277" r:id="rId14"/>
-    <p:sldId id="268" r:id="rId15"/>
-    <p:sldId id="269" r:id="rId16"/>
-    <p:sldId id="270" r:id="rId17"/>
-    <p:sldId id="271" r:id="rId18"/>
-    <p:sldId id="272" r:id="rId19"/>
-    <p:sldId id="273" r:id="rId20"/>
-    <p:sldId id="275" r:id="rId21"/>
-    <p:sldId id="276" r:id="rId22"/>
+    <p:sldId id="256" r:id="rId3"/>
+    <p:sldId id="257" r:id="rId4"/>
+    <p:sldId id="258" r:id="rId5"/>
+    <p:sldId id="259" r:id="rId6"/>
+    <p:sldId id="260" r:id="rId7"/>
+    <p:sldId id="261" r:id="rId8"/>
+    <p:sldId id="262" r:id="rId9"/>
+    <p:sldId id="263" r:id="rId10"/>
+    <p:sldId id="264" r:id="rId11"/>
+    <p:sldId id="265" r:id="rId12"/>
+    <p:sldId id="266" r:id="rId13"/>
+    <p:sldId id="267" r:id="rId14"/>
+    <p:sldId id="277" r:id="rId15"/>
+    <p:sldId id="268" r:id="rId16"/>
+    <p:sldId id="269" r:id="rId17"/>
+    <p:sldId id="270" r:id="rId18"/>
+    <p:sldId id="271" r:id="rId19"/>
+    <p:sldId id="272" r:id="rId20"/>
+    <p:sldId id="273" r:id="rId21"/>
+    <p:sldId id="275" r:id="rId22"/>
+    <p:sldId id="276" r:id="rId23"/>
   </p:sldIdLst>
   <p:sldSz cx="12192000" cy="6858000"/>
   <p:notesSz cx="6858000" cy="9144000"/>
@@ -124,11 +124,6 @@
       </a:defRPr>
     </a:lvl9pPr>
   </p:defaultTextStyle>
-  <p:extLst>
-    <p:ext uri="{EFAFB233-063F-42B5-8137-9DF3F51BA10A}">
-      <p15:sldGuideLst xmlns:p15="http://schemas.microsoft.com/office/powerpoint/2012/main"/>
-    </p:ext>
-  </p:extLst>
 </p:presentation>
 </file>
 
@@ -263,7 +258,6 @@
           <a:p>
             <a:fld id="{2F942583-3AEE-4509-8E46-45F300EC4DAD}" type="datetimeFigureOut">
               <a:rPr lang="en-US" smtClean="0"/>
-              <a:t>10/13/2021</a:t>
             </a:fld>
             <a:endParaRPr lang="en-US"/>
           </a:p>
@@ -305,18 +299,12 @@
           <a:p>
             <a:fld id="{5C1A894D-0D08-437D-979D-60C22CA28231}" type="slidenum">
               <a:rPr lang="en-US" smtClean="0"/>
-              <a:t>‹#›</a:t>
             </a:fld>
             <a:endParaRPr lang="en-US"/>
           </a:p>
         </p:txBody>
       </p:sp>
     </p:spTree>
-    <p:extLst>
-      <p:ext uri="{BB962C8B-B14F-4D97-AF65-F5344CB8AC3E}">
-        <p14:creationId xmlns:p14="http://schemas.microsoft.com/office/powerpoint/2010/main" val="1220330799"/>
-      </p:ext>
-    </p:extLst>
   </p:cSld>
   <p:clrMapOvr>
     <a:masterClrMapping/>
@@ -384,6 +372,7 @@
               <a:rPr lang="en-US" smtClean="0"/>
               <a:t>Click to edit Master text styles</a:t>
             </a:r>
+            <a:endParaRPr lang="en-US" smtClean="0"/>
           </a:p>
           <a:p>
             <a:pPr lvl="1"/>
@@ -391,6 +380,7 @@
               <a:rPr lang="en-US" smtClean="0"/>
               <a:t>Second level</a:t>
             </a:r>
+            <a:endParaRPr lang="en-US" smtClean="0"/>
           </a:p>
           <a:p>
             <a:pPr lvl="2"/>
@@ -398,6 +388,7 @@
               <a:rPr lang="en-US" smtClean="0"/>
               <a:t>Third level</a:t>
             </a:r>
+            <a:endParaRPr lang="en-US" smtClean="0"/>
           </a:p>
           <a:p>
             <a:pPr lvl="3"/>
@@ -405,6 +396,7 @@
               <a:rPr lang="en-US" smtClean="0"/>
               <a:t>Fourth level</a:t>
             </a:r>
+            <a:endParaRPr lang="en-US" smtClean="0"/>
           </a:p>
           <a:p>
             <a:pPr lvl="4"/>
@@ -433,7 +425,6 @@
           <a:p>
             <a:fld id="{2F942583-3AEE-4509-8E46-45F300EC4DAD}" type="datetimeFigureOut">
               <a:rPr lang="en-US" smtClean="0"/>
-              <a:t>10/13/2021</a:t>
             </a:fld>
             <a:endParaRPr lang="en-US"/>
           </a:p>
@@ -475,18 +466,12 @@
           <a:p>
             <a:fld id="{5C1A894D-0D08-437D-979D-60C22CA28231}" type="slidenum">
               <a:rPr lang="en-US" smtClean="0"/>
-              <a:t>‹#›</a:t>
             </a:fld>
             <a:endParaRPr lang="en-US"/>
           </a:p>
         </p:txBody>
       </p:sp>
     </p:spTree>
-    <p:extLst>
-      <p:ext uri="{BB962C8B-B14F-4D97-AF65-F5344CB8AC3E}">
-        <p14:creationId xmlns:p14="http://schemas.microsoft.com/office/powerpoint/2010/main" val="3122454247"/>
-      </p:ext>
-    </p:extLst>
   </p:cSld>
   <p:clrMapOvr>
     <a:masterClrMapping/>
@@ -564,6 +549,7 @@
               <a:rPr lang="en-US" smtClean="0"/>
               <a:t>Click to edit Master text styles</a:t>
             </a:r>
+            <a:endParaRPr lang="en-US" smtClean="0"/>
           </a:p>
           <a:p>
             <a:pPr lvl="1"/>
@@ -571,6 +557,7 @@
               <a:rPr lang="en-US" smtClean="0"/>
               <a:t>Second level</a:t>
             </a:r>
+            <a:endParaRPr lang="en-US" smtClean="0"/>
           </a:p>
           <a:p>
             <a:pPr lvl="2"/>
@@ -578,6 +565,7 @@
               <a:rPr lang="en-US" smtClean="0"/>
               <a:t>Third level</a:t>
             </a:r>
+            <a:endParaRPr lang="en-US" smtClean="0"/>
           </a:p>
           <a:p>
             <a:pPr lvl="3"/>
@@ -585,6 +573,7 @@
               <a:rPr lang="en-US" smtClean="0"/>
               <a:t>Fourth level</a:t>
             </a:r>
+            <a:endParaRPr lang="en-US" smtClean="0"/>
           </a:p>
           <a:p>
             <a:pPr lvl="4"/>
@@ -613,7 +602,6 @@
           <a:p>
             <a:fld id="{2F942583-3AEE-4509-8E46-45F300EC4DAD}" type="datetimeFigureOut">
               <a:rPr lang="en-US" smtClean="0"/>
-              <a:t>10/13/2021</a:t>
             </a:fld>
             <a:endParaRPr lang="en-US"/>
           </a:p>
@@ -655,18 +643,12 @@
           <a:p>
             <a:fld id="{5C1A894D-0D08-437D-979D-60C22CA28231}" type="slidenum">
               <a:rPr lang="en-US" smtClean="0"/>
-              <a:t>‹#›</a:t>
             </a:fld>
             <a:endParaRPr lang="en-US"/>
           </a:p>
         </p:txBody>
       </p:sp>
     </p:spTree>
-    <p:extLst>
-      <p:ext uri="{BB962C8B-B14F-4D97-AF65-F5344CB8AC3E}">
-        <p14:creationId xmlns:p14="http://schemas.microsoft.com/office/powerpoint/2010/main" val="2085067734"/>
-      </p:ext>
-    </p:extLst>
   </p:cSld>
   <p:clrMapOvr>
     <a:masterClrMapping/>
@@ -734,6 +716,7 @@
               <a:rPr lang="en-US" smtClean="0"/>
               <a:t>Click to edit Master text styles</a:t>
             </a:r>
+            <a:endParaRPr lang="en-US" smtClean="0"/>
           </a:p>
           <a:p>
             <a:pPr lvl="1"/>
@@ -741,6 +724,7 @@
               <a:rPr lang="en-US" smtClean="0"/>
               <a:t>Second level</a:t>
             </a:r>
+            <a:endParaRPr lang="en-US" smtClean="0"/>
           </a:p>
           <a:p>
             <a:pPr lvl="2"/>
@@ -748,6 +732,7 @@
               <a:rPr lang="en-US" smtClean="0"/>
               <a:t>Third level</a:t>
             </a:r>
+            <a:endParaRPr lang="en-US" smtClean="0"/>
           </a:p>
           <a:p>
             <a:pPr lvl="3"/>
@@ -755,6 +740,7 @@
               <a:rPr lang="en-US" smtClean="0"/>
               <a:t>Fourth level</a:t>
             </a:r>
+            <a:endParaRPr lang="en-US" smtClean="0"/>
           </a:p>
           <a:p>
             <a:pPr lvl="4"/>
@@ -783,7 +769,6 @@
           <a:p>
             <a:fld id="{2F942583-3AEE-4509-8E46-45F300EC4DAD}" type="datetimeFigureOut">
               <a:rPr lang="en-US" smtClean="0"/>
-              <a:t>10/13/2021</a:t>
             </a:fld>
             <a:endParaRPr lang="en-US"/>
           </a:p>
@@ -825,18 +810,12 @@
           <a:p>
             <a:fld id="{5C1A894D-0D08-437D-979D-60C22CA28231}" type="slidenum">
               <a:rPr lang="en-US" smtClean="0"/>
-              <a:t>‹#›</a:t>
             </a:fld>
             <a:endParaRPr lang="en-US"/>
           </a:p>
         </p:txBody>
       </p:sp>
     </p:spTree>
-    <p:extLst>
-      <p:ext uri="{BB962C8B-B14F-4D97-AF65-F5344CB8AC3E}">
-        <p14:creationId xmlns:p14="http://schemas.microsoft.com/office/powerpoint/2010/main" val="3947222507"/>
-      </p:ext>
-    </p:extLst>
   </p:cSld>
   <p:clrMapOvr>
     <a:masterClrMapping/>
@@ -1009,6 +988,7 @@
               <a:rPr lang="en-US" smtClean="0"/>
               <a:t>Click to edit Master text styles</a:t>
             </a:r>
+            <a:endParaRPr lang="en-US" smtClean="0"/>
           </a:p>
         </p:txBody>
       </p:sp>
@@ -1029,7 +1009,6 @@
           <a:p>
             <a:fld id="{2F942583-3AEE-4509-8E46-45F300EC4DAD}" type="datetimeFigureOut">
               <a:rPr lang="en-US" smtClean="0"/>
-              <a:t>10/13/2021</a:t>
             </a:fld>
             <a:endParaRPr lang="en-US"/>
           </a:p>
@@ -1071,18 +1050,12 @@
           <a:p>
             <a:fld id="{5C1A894D-0D08-437D-979D-60C22CA28231}" type="slidenum">
               <a:rPr lang="en-US" smtClean="0"/>
-              <a:t>‹#›</a:t>
             </a:fld>
             <a:endParaRPr lang="en-US"/>
           </a:p>
         </p:txBody>
       </p:sp>
     </p:spTree>
-    <p:extLst>
-      <p:ext uri="{BB962C8B-B14F-4D97-AF65-F5344CB8AC3E}">
-        <p14:creationId xmlns:p14="http://schemas.microsoft.com/office/powerpoint/2010/main" val="3839874510"/>
-      </p:ext>
-    </p:extLst>
   </p:cSld>
   <p:clrMapOvr>
     <a:masterClrMapping/>
@@ -1155,6 +1128,7 @@
               <a:rPr lang="en-US" smtClean="0"/>
               <a:t>Click to edit Master text styles</a:t>
             </a:r>
+            <a:endParaRPr lang="en-US" smtClean="0"/>
           </a:p>
           <a:p>
             <a:pPr lvl="1"/>
@@ -1162,6 +1136,7 @@
               <a:rPr lang="en-US" smtClean="0"/>
               <a:t>Second level</a:t>
             </a:r>
+            <a:endParaRPr lang="en-US" smtClean="0"/>
           </a:p>
           <a:p>
             <a:pPr lvl="2"/>
@@ -1169,6 +1144,7 @@
               <a:rPr lang="en-US" smtClean="0"/>
               <a:t>Third level</a:t>
             </a:r>
+            <a:endParaRPr lang="en-US" smtClean="0"/>
           </a:p>
           <a:p>
             <a:pPr lvl="3"/>
@@ -1176,6 +1152,7 @@
               <a:rPr lang="en-US" smtClean="0"/>
               <a:t>Fourth level</a:t>
             </a:r>
+            <a:endParaRPr lang="en-US" smtClean="0"/>
           </a:p>
           <a:p>
             <a:pPr lvl="4"/>
@@ -1212,6 +1189,7 @@
               <a:rPr lang="en-US" smtClean="0"/>
               <a:t>Click to edit Master text styles</a:t>
             </a:r>
+            <a:endParaRPr lang="en-US" smtClean="0"/>
           </a:p>
           <a:p>
             <a:pPr lvl="1"/>
@@ -1219,6 +1197,7 @@
               <a:rPr lang="en-US" smtClean="0"/>
               <a:t>Second level</a:t>
             </a:r>
+            <a:endParaRPr lang="en-US" smtClean="0"/>
           </a:p>
           <a:p>
             <a:pPr lvl="2"/>
@@ -1226,6 +1205,7 @@
               <a:rPr lang="en-US" smtClean="0"/>
               <a:t>Third level</a:t>
             </a:r>
+            <a:endParaRPr lang="en-US" smtClean="0"/>
           </a:p>
           <a:p>
             <a:pPr lvl="3"/>
@@ -1233,6 +1213,7 @@
               <a:rPr lang="en-US" smtClean="0"/>
               <a:t>Fourth level</a:t>
             </a:r>
+            <a:endParaRPr lang="en-US" smtClean="0"/>
           </a:p>
           <a:p>
             <a:pPr lvl="4"/>
@@ -1261,7 +1242,6 @@
           <a:p>
             <a:fld id="{2F942583-3AEE-4509-8E46-45F300EC4DAD}" type="datetimeFigureOut">
               <a:rPr lang="en-US" smtClean="0"/>
-              <a:t>10/13/2021</a:t>
             </a:fld>
             <a:endParaRPr lang="en-US"/>
           </a:p>
@@ -1303,18 +1283,12 @@
           <a:p>
             <a:fld id="{5C1A894D-0D08-437D-979D-60C22CA28231}" type="slidenum">
               <a:rPr lang="en-US" smtClean="0"/>
-              <a:t>‹#›</a:t>
             </a:fld>
             <a:endParaRPr lang="en-US"/>
           </a:p>
         </p:txBody>
       </p:sp>
     </p:spTree>
-    <p:extLst>
-      <p:ext uri="{BB962C8B-B14F-4D97-AF65-F5344CB8AC3E}">
-        <p14:creationId xmlns:p14="http://schemas.microsoft.com/office/powerpoint/2010/main" val="2227771666"/>
-      </p:ext>
-    </p:extLst>
   </p:cSld>
   <p:clrMapOvr>
     <a:masterClrMapping/>
@@ -1429,6 +1403,7 @@
               <a:rPr lang="en-US" smtClean="0"/>
               <a:t>Click to edit Master text styles</a:t>
             </a:r>
+            <a:endParaRPr lang="en-US" smtClean="0"/>
           </a:p>
         </p:txBody>
       </p:sp>
@@ -1457,6 +1432,7 @@
               <a:rPr lang="en-US" smtClean="0"/>
               <a:t>Click to edit Master text styles</a:t>
             </a:r>
+            <a:endParaRPr lang="en-US" smtClean="0"/>
           </a:p>
           <a:p>
             <a:pPr lvl="1"/>
@@ -1464,6 +1440,7 @@
               <a:rPr lang="en-US" smtClean="0"/>
               <a:t>Second level</a:t>
             </a:r>
+            <a:endParaRPr lang="en-US" smtClean="0"/>
           </a:p>
           <a:p>
             <a:pPr lvl="2"/>
@@ -1471,6 +1448,7 @@
               <a:rPr lang="en-US" smtClean="0"/>
               <a:t>Third level</a:t>
             </a:r>
+            <a:endParaRPr lang="en-US" smtClean="0"/>
           </a:p>
           <a:p>
             <a:pPr lvl="3"/>
@@ -1478,6 +1456,7 @@
               <a:rPr lang="en-US" smtClean="0"/>
               <a:t>Fourth level</a:t>
             </a:r>
+            <a:endParaRPr lang="en-US" smtClean="0"/>
           </a:p>
           <a:p>
             <a:pPr lvl="4"/>
@@ -1551,6 +1530,7 @@
               <a:rPr lang="en-US" smtClean="0"/>
               <a:t>Click to edit Master text styles</a:t>
             </a:r>
+            <a:endParaRPr lang="en-US" smtClean="0"/>
           </a:p>
         </p:txBody>
       </p:sp>
@@ -1579,6 +1559,7 @@
               <a:rPr lang="en-US" smtClean="0"/>
               <a:t>Click to edit Master text styles</a:t>
             </a:r>
+            <a:endParaRPr lang="en-US" smtClean="0"/>
           </a:p>
           <a:p>
             <a:pPr lvl="1"/>
@@ -1586,6 +1567,7 @@
               <a:rPr lang="en-US" smtClean="0"/>
               <a:t>Second level</a:t>
             </a:r>
+            <a:endParaRPr lang="en-US" smtClean="0"/>
           </a:p>
           <a:p>
             <a:pPr lvl="2"/>
@@ -1593,6 +1575,7 @@
               <a:rPr lang="en-US" smtClean="0"/>
               <a:t>Third level</a:t>
             </a:r>
+            <a:endParaRPr lang="en-US" smtClean="0"/>
           </a:p>
           <a:p>
             <a:pPr lvl="3"/>
@@ -1600,6 +1583,7 @@
               <a:rPr lang="en-US" smtClean="0"/>
               <a:t>Fourth level</a:t>
             </a:r>
+            <a:endParaRPr lang="en-US" smtClean="0"/>
           </a:p>
           <a:p>
             <a:pPr lvl="4"/>
@@ -1628,7 +1612,6 @@
           <a:p>
             <a:fld id="{2F942583-3AEE-4509-8E46-45F300EC4DAD}" type="datetimeFigureOut">
               <a:rPr lang="en-US" smtClean="0"/>
-              <a:t>10/13/2021</a:t>
             </a:fld>
             <a:endParaRPr lang="en-US"/>
           </a:p>
@@ -1670,18 +1653,12 @@
           <a:p>
             <a:fld id="{5C1A894D-0D08-437D-979D-60C22CA28231}" type="slidenum">
               <a:rPr lang="en-US" smtClean="0"/>
-              <a:t>‹#›</a:t>
             </a:fld>
             <a:endParaRPr lang="en-US"/>
           </a:p>
         </p:txBody>
       </p:sp>
     </p:spTree>
-    <p:extLst>
-      <p:ext uri="{BB962C8B-B14F-4D97-AF65-F5344CB8AC3E}">
-        <p14:creationId xmlns:p14="http://schemas.microsoft.com/office/powerpoint/2010/main" val="3065629505"/>
-      </p:ext>
-    </p:extLst>
   </p:cSld>
   <p:clrMapOvr>
     <a:masterClrMapping/>
@@ -1746,7 +1723,6 @@
           <a:p>
             <a:fld id="{2F942583-3AEE-4509-8E46-45F300EC4DAD}" type="datetimeFigureOut">
               <a:rPr lang="en-US" smtClean="0"/>
-              <a:t>10/13/2021</a:t>
             </a:fld>
             <a:endParaRPr lang="en-US"/>
           </a:p>
@@ -1788,18 +1764,12 @@
           <a:p>
             <a:fld id="{5C1A894D-0D08-437D-979D-60C22CA28231}" type="slidenum">
               <a:rPr lang="en-US" smtClean="0"/>
-              <a:t>‹#›</a:t>
             </a:fld>
             <a:endParaRPr lang="en-US"/>
           </a:p>
         </p:txBody>
       </p:sp>
     </p:spTree>
-    <p:extLst>
-      <p:ext uri="{BB962C8B-B14F-4D97-AF65-F5344CB8AC3E}">
-        <p14:creationId xmlns:p14="http://schemas.microsoft.com/office/powerpoint/2010/main" val="1983677775"/>
-      </p:ext>
-    </p:extLst>
   </p:cSld>
   <p:clrMapOvr>
     <a:masterClrMapping/>
@@ -1841,7 +1811,6 @@
           <a:p>
             <a:fld id="{2F942583-3AEE-4509-8E46-45F300EC4DAD}" type="datetimeFigureOut">
               <a:rPr lang="en-US" smtClean="0"/>
-              <a:t>10/13/2021</a:t>
             </a:fld>
             <a:endParaRPr lang="en-US"/>
           </a:p>
@@ -1883,18 +1852,12 @@
           <a:p>
             <a:fld id="{5C1A894D-0D08-437D-979D-60C22CA28231}" type="slidenum">
               <a:rPr lang="en-US" smtClean="0"/>
-              <a:t>‹#›</a:t>
             </a:fld>
             <a:endParaRPr lang="en-US"/>
           </a:p>
         </p:txBody>
       </p:sp>
     </p:spTree>
-    <p:extLst>
-      <p:ext uri="{BB962C8B-B14F-4D97-AF65-F5344CB8AC3E}">
-        <p14:creationId xmlns:p14="http://schemas.microsoft.com/office/powerpoint/2010/main" val="2709562519"/>
-      </p:ext>
-    </p:extLst>
   </p:cSld>
   <p:clrMapOvr>
     <a:masterClrMapping/>
@@ -2004,6 +1967,7 @@
               <a:rPr lang="en-US" smtClean="0"/>
               <a:t>Click to edit Master text styles</a:t>
             </a:r>
+            <a:endParaRPr lang="en-US" smtClean="0"/>
           </a:p>
           <a:p>
             <a:pPr lvl="1"/>
@@ -2011,6 +1975,7 @@
               <a:rPr lang="en-US" smtClean="0"/>
               <a:t>Second level</a:t>
             </a:r>
+            <a:endParaRPr lang="en-US" smtClean="0"/>
           </a:p>
           <a:p>
             <a:pPr lvl="2"/>
@@ -2018,6 +1983,7 @@
               <a:rPr lang="en-US" smtClean="0"/>
               <a:t>Third level</a:t>
             </a:r>
+            <a:endParaRPr lang="en-US" smtClean="0"/>
           </a:p>
           <a:p>
             <a:pPr lvl="3"/>
@@ -2025,6 +1991,7 @@
               <a:rPr lang="en-US" smtClean="0"/>
               <a:t>Fourth level</a:t>
             </a:r>
+            <a:endParaRPr lang="en-US" smtClean="0"/>
           </a:p>
           <a:p>
             <a:pPr lvl="4"/>
@@ -2098,6 +2065,7 @@
               <a:rPr lang="en-US" smtClean="0"/>
               <a:t>Click to edit Master text styles</a:t>
             </a:r>
+            <a:endParaRPr lang="en-US" smtClean="0"/>
           </a:p>
         </p:txBody>
       </p:sp>
@@ -2118,7 +2086,6 @@
           <a:p>
             <a:fld id="{2F942583-3AEE-4509-8E46-45F300EC4DAD}" type="datetimeFigureOut">
               <a:rPr lang="en-US" smtClean="0"/>
-              <a:t>10/13/2021</a:t>
             </a:fld>
             <a:endParaRPr lang="en-US"/>
           </a:p>
@@ -2160,18 +2127,12 @@
           <a:p>
             <a:fld id="{5C1A894D-0D08-437D-979D-60C22CA28231}" type="slidenum">
               <a:rPr lang="en-US" smtClean="0"/>
-              <a:t>‹#›</a:t>
             </a:fld>
             <a:endParaRPr lang="en-US"/>
           </a:p>
         </p:txBody>
       </p:sp>
     </p:spTree>
-    <p:extLst>
-      <p:ext uri="{BB962C8B-B14F-4D97-AF65-F5344CB8AC3E}">
-        <p14:creationId xmlns:p14="http://schemas.microsoft.com/office/powerpoint/2010/main" val="3471342419"/>
-      </p:ext>
-    </p:extLst>
   </p:cSld>
   <p:clrMapOvr>
     <a:masterClrMapping/>
@@ -2351,6 +2312,7 @@
               <a:rPr lang="en-US" smtClean="0"/>
               <a:t>Click to edit Master text styles</a:t>
             </a:r>
+            <a:endParaRPr lang="en-US" smtClean="0"/>
           </a:p>
         </p:txBody>
       </p:sp>
@@ -2371,7 +2333,6 @@
           <a:p>
             <a:fld id="{2F942583-3AEE-4509-8E46-45F300EC4DAD}" type="datetimeFigureOut">
               <a:rPr lang="en-US" smtClean="0"/>
-              <a:t>10/13/2021</a:t>
             </a:fld>
             <a:endParaRPr lang="en-US"/>
           </a:p>
@@ -2413,18 +2374,12 @@
           <a:p>
             <a:fld id="{5C1A894D-0D08-437D-979D-60C22CA28231}" type="slidenum">
               <a:rPr lang="en-US" smtClean="0"/>
-              <a:t>‹#›</a:t>
             </a:fld>
             <a:endParaRPr lang="en-US"/>
           </a:p>
         </p:txBody>
       </p:sp>
     </p:spTree>
-    <p:extLst>
-      <p:ext uri="{BB962C8B-B14F-4D97-AF65-F5344CB8AC3E}">
-        <p14:creationId xmlns:p14="http://schemas.microsoft.com/office/powerpoint/2010/main" val="2929963666"/>
-      </p:ext>
-    </p:extLst>
   </p:cSld>
   <p:clrMapOvr>
     <a:masterClrMapping/>
@@ -2517,6 +2472,7 @@
               <a:rPr lang="en-US" smtClean="0"/>
               <a:t>Click to edit Master text styles</a:t>
             </a:r>
+            <a:endParaRPr lang="en-US" smtClean="0"/>
           </a:p>
           <a:p>
             <a:pPr lvl="1"/>
@@ -2524,6 +2480,7 @@
               <a:rPr lang="en-US" smtClean="0"/>
               <a:t>Second level</a:t>
             </a:r>
+            <a:endParaRPr lang="en-US" smtClean="0"/>
           </a:p>
           <a:p>
             <a:pPr lvl="2"/>
@@ -2531,6 +2488,7 @@
               <a:rPr lang="en-US" smtClean="0"/>
               <a:t>Third level</a:t>
             </a:r>
+            <a:endParaRPr lang="en-US" smtClean="0"/>
           </a:p>
           <a:p>
             <a:pPr lvl="3"/>
@@ -2538,6 +2496,7 @@
               <a:rPr lang="en-US" smtClean="0"/>
               <a:t>Fourth level</a:t>
             </a:r>
+            <a:endParaRPr lang="en-US" smtClean="0"/>
           </a:p>
           <a:p>
             <a:pPr lvl="4"/>
@@ -2584,7 +2543,6 @@
           <a:p>
             <a:fld id="{2F942583-3AEE-4509-8E46-45F300EC4DAD}" type="datetimeFigureOut">
               <a:rPr lang="en-US" smtClean="0"/>
-              <a:t>10/13/2021</a:t>
             </a:fld>
             <a:endParaRPr lang="en-US"/>
           </a:p>
@@ -2662,18 +2620,12 @@
           <a:p>
             <a:fld id="{5C1A894D-0D08-437D-979D-60C22CA28231}" type="slidenum">
               <a:rPr lang="en-US" smtClean="0"/>
-              <a:t>‹#›</a:t>
             </a:fld>
             <a:endParaRPr lang="en-US"/>
           </a:p>
         </p:txBody>
       </p:sp>
     </p:spTree>
-    <p:extLst>
-      <p:ext uri="{BB962C8B-B14F-4D97-AF65-F5344CB8AC3E}">
-        <p14:creationId xmlns:p14="http://schemas.microsoft.com/office/powerpoint/2010/main" val="2103465462"/>
-      </p:ext>
-    </p:extLst>
   </p:cSld>
   <p:clrMap bg1="lt1" tx1="dk1" bg2="lt2" tx2="dk2" accent1="accent1" accent2="accent2" accent3="accent3" accent4="accent4" accent5="accent5" accent6="accent6" hlink="hlink" folHlink="folHlink"/>
   <p:sldLayoutIdLst>
@@ -3183,15 +3135,18 @@
               </a:rPr>
               <a:t>Naive Bayes</a:t>
             </a:r>
+            <a:endParaRPr lang="fr-FR">
+              <a:solidFill>
+                <a:schemeClr val="tx1">
+                  <a:lumMod val="75000"/>
+                  <a:lumOff val="25000"/>
+                </a:schemeClr>
+              </a:solidFill>
+            </a:endParaRPr>
           </a:p>
         </p:txBody>
       </p:sp>
     </p:spTree>
-    <p:extLst>
-      <p:ext uri="{BB962C8B-B14F-4D97-AF65-F5344CB8AC3E}">
-        <p14:creationId xmlns:p14="http://schemas.microsoft.com/office/powerpoint/2010/main" val="3111386157"/>
-      </p:ext>
-    </p:extLst>
   </p:cSld>
   <p:clrMapOvr>
     <a:masterClrMapping/>
@@ -3232,7 +3187,7 @@
           <p:nvPr/>
         </p:nvPicPr>
         <p:blipFill>
-          <a:blip r:embed="rId2">
+          <a:blip r:embed="rId1">
             <a:extLst>
               <a:ext uri="{28A0092B-C50C-407E-A947-70E740481C1C}">
                 <a14:useLocalDpi xmlns:a14="http://schemas.microsoft.com/office/drawing/2010/main" val="0"/>
@@ -3273,7 +3228,7 @@
           <p:nvPr/>
         </p:nvPicPr>
         <p:blipFill>
-          <a:blip r:embed="rId3">
+          <a:blip r:embed="rId2">
             <a:extLst>
               <a:ext uri="{28A0092B-C50C-407E-A947-70E740481C1C}">
                 <a14:useLocalDpi xmlns:a14="http://schemas.microsoft.com/office/drawing/2010/main" val="0"/>
@@ -3306,11 +3261,6 @@
         </p:spPr>
       </p:pic>
     </p:spTree>
-    <p:extLst>
-      <p:ext uri="{BB962C8B-B14F-4D97-AF65-F5344CB8AC3E}">
-        <p14:creationId xmlns:p14="http://schemas.microsoft.com/office/powerpoint/2010/main" val="316916236"/>
-      </p:ext>
-    </p:extLst>
   </p:cSld>
   <p:clrMapOvr>
     <a:masterClrMapping/>
@@ -3387,18 +3337,21 @@
               <a:rPr lang="en-US" dirty="0"/>
               <a:t>The Bayes Rule provides the formula for the probability of Y given X. But, in real-world problems, you typically have multiple X variables.</a:t>
             </a:r>
+            <a:endParaRPr lang="en-US" dirty="0"/>
           </a:p>
           <a:p>
             <a:r>
               <a:rPr lang="en-US" dirty="0"/>
               <a:t>When the features are independent, we can extend the Bayes Rule to what is called Naive Bayes.</a:t>
             </a:r>
+            <a:endParaRPr lang="en-US" dirty="0"/>
           </a:p>
           <a:p>
             <a:r>
               <a:rPr lang="en-US" dirty="0"/>
               <a:t>It is called ‘Naive’ because of the naive assumption that the X’s are independent of each other. Regardless of its name, it’s a powerful formula.</a:t>
             </a:r>
+            <a:endParaRPr lang="en-US" dirty="0"/>
           </a:p>
           <a:p>
             <a:pPr marL="0" indent="0">
@@ -3409,11 +3362,6 @@
         </p:txBody>
       </p:sp>
     </p:spTree>
-    <p:extLst>
-      <p:ext uri="{BB962C8B-B14F-4D97-AF65-F5344CB8AC3E}">
-        <p14:creationId xmlns:p14="http://schemas.microsoft.com/office/powerpoint/2010/main" val="4258333455"/>
-      </p:ext>
-    </p:extLst>
   </p:cSld>
   <p:clrMapOvr>
     <a:masterClrMapping/>
@@ -3454,7 +3402,7 @@
           <p:nvPr/>
         </p:nvPicPr>
         <p:blipFill>
-          <a:blip r:embed="rId2">
+          <a:blip r:embed="rId1">
             <a:extLst>
               <a:ext uri="{28A0092B-C50C-407E-A947-70E740481C1C}">
                 <a14:useLocalDpi xmlns:a14="http://schemas.microsoft.com/office/drawing/2010/main" val="0"/>
@@ -3487,11 +3435,6 @@
         </p:spPr>
       </p:pic>
     </p:spTree>
-    <p:extLst>
-      <p:ext uri="{BB962C8B-B14F-4D97-AF65-F5344CB8AC3E}">
-        <p14:creationId xmlns:p14="http://schemas.microsoft.com/office/powerpoint/2010/main" val="3509379135"/>
-      </p:ext>
-    </p:extLst>
   </p:cSld>
   <p:clrMapOvr>
     <a:masterClrMapping/>
@@ -3532,7 +3475,7 @@
           <p:nvPr/>
         </p:nvPicPr>
         <p:blipFill>
-          <a:blip r:embed="rId2">
+          <a:blip r:embed="rId1">
             <a:extLst>
               <a:ext uri="{28A0092B-C50C-407E-A947-70E740481C1C}">
                 <a14:useLocalDpi xmlns:a14="http://schemas.microsoft.com/office/drawing/2010/main" val="0"/>
@@ -3565,11 +3508,6 @@
         </p:spPr>
       </p:pic>
     </p:spTree>
-    <p:extLst>
-      <p:ext uri="{BB962C8B-B14F-4D97-AF65-F5344CB8AC3E}">
-        <p14:creationId xmlns:p14="http://schemas.microsoft.com/office/powerpoint/2010/main" val="3586543758"/>
-      </p:ext>
-    </p:extLst>
   </p:cSld>
   <p:clrMapOvr>
     <a:masterClrMapping/>
@@ -3655,6 +3593,7 @@
               <a:rPr lang="en-US" dirty="0"/>
               <a:t>Say you have 1000 fruits which could be either ‘banana’, ‘orange’ or ‘other’. These are the 3 possible classes of the Y variable.</a:t>
             </a:r>
+            <a:endParaRPr lang="en-US" dirty="0"/>
           </a:p>
           <a:p>
             <a:r>
@@ -3668,12 +3607,14 @@
               <a:rPr lang="en-US" dirty="0"/>
               <a:t>Sweet</a:t>
             </a:r>
+            <a:endParaRPr lang="en-US" dirty="0"/>
           </a:p>
           <a:p>
             <a:r>
               <a:rPr lang="en-US" dirty="0"/>
               <a:t>Yellow</a:t>
             </a:r>
+            <a:endParaRPr lang="en-US" dirty="0"/>
           </a:p>
           <a:p>
             <a:pPr marL="0" indent="0">
@@ -3684,11 +3625,6 @@
         </p:txBody>
       </p:sp>
     </p:spTree>
-    <p:extLst>
-      <p:ext uri="{BB962C8B-B14F-4D97-AF65-F5344CB8AC3E}">
-        <p14:creationId xmlns:p14="http://schemas.microsoft.com/office/powerpoint/2010/main" val="1805796883"/>
-      </p:ext>
-    </p:extLst>
   </p:cSld>
   <p:clrMapOvr>
     <a:masterClrMapping/>
@@ -3756,24 +3692,28 @@
               <a:rPr lang="en-US" dirty="0" smtClean="0"/>
               <a:t>.</a:t>
             </a:r>
+            <a:endParaRPr lang="en-US" dirty="0" smtClean="0"/>
           </a:p>
           <a:p>
             <a:r>
               <a:rPr lang="en-US" dirty="0"/>
               <a:t>Let’s say you are given a fruit that is: Long, Sweet and Yellow, can you predict what fruit it is?</a:t>
             </a:r>
+            <a:endParaRPr lang="en-US" dirty="0"/>
           </a:p>
           <a:p>
             <a:r>
               <a:rPr lang="en-US" dirty="0"/>
               <a:t>This is the same of predicting the Y when only the X variables in testing data are known. Let’s solve it by hand using Naive Bayes.</a:t>
             </a:r>
+            <a:endParaRPr lang="en-US" dirty="0"/>
           </a:p>
           <a:p>
             <a:r>
               <a:rPr lang="en-US" dirty="0"/>
               <a:t>The idea is to compute the 3 probabilities, that is the probability of the fruit being a banana, orange or other. Whichever fruit type gets the highest probability wins.</a:t>
             </a:r>
+            <a:endParaRPr lang="en-US" dirty="0"/>
           </a:p>
           <a:p>
             <a:pPr marL="0" indent="0">
@@ -3792,7 +3732,7 @@
           <p:nvPr/>
         </p:nvPicPr>
         <p:blipFill>
-          <a:blip r:embed="rId2">
+          <a:blip r:embed="rId1">
             <a:extLst>
               <a:ext uri="{28A0092B-C50C-407E-A947-70E740481C1C}">
                 <a14:useLocalDpi xmlns:a14="http://schemas.microsoft.com/office/drawing/2010/main" val="0"/>
@@ -3825,11 +3765,6 @@
         </p:spPr>
       </p:pic>
     </p:spTree>
-    <p:extLst>
-      <p:ext uri="{BB962C8B-B14F-4D97-AF65-F5344CB8AC3E}">
-        <p14:creationId xmlns:p14="http://schemas.microsoft.com/office/powerpoint/2010/main" val="513901378"/>
-      </p:ext>
-    </p:extLst>
   </p:cSld>
   <p:clrMapOvr>
     <a:masterClrMapping/>
@@ -3901,6 +3836,7 @@
               <a:rPr lang="en-US" dirty="0" smtClean="0"/>
               <a:t>.</a:t>
             </a:r>
+            <a:endParaRPr lang="en-US" dirty="0" smtClean="0"/>
           </a:p>
           <a:p>
             <a:r>
@@ -3911,6 +3847,7 @@
               <a:rPr lang="en-US" dirty="0" smtClean="0"/>
               <a:t>.</a:t>
             </a:r>
+            <a:endParaRPr lang="en-US" dirty="0" smtClean="0"/>
           </a:p>
           <a:p>
             <a:pPr marL="0" indent="0">
@@ -3924,6 +3861,7 @@
               <a:rPr lang="es-ES" dirty="0"/>
               <a:t>P(Y=Banana) = 500 / 1000 = 0.50</a:t>
             </a:r>
+            <a:endParaRPr lang="es-ES" dirty="0"/>
           </a:p>
           <a:p>
             <a:pPr marL="0" indent="0">
@@ -3937,6 +3875,7 @@
               <a:rPr lang="es-ES" dirty="0"/>
               <a:t>) = 300 / 1000 = 0.30</a:t>
             </a:r>
+            <a:endParaRPr lang="es-ES" dirty="0"/>
           </a:p>
           <a:p>
             <a:pPr marL="0" indent="0">
@@ -3954,15 +3893,12 @@
               <a:rPr lang="es-ES" dirty="0"/>
               <a:t>) = 200 / 1000 = 0.20</a:t>
             </a:r>
+            <a:endParaRPr lang="es-ES" dirty="0"/>
           </a:p>
           <a:p>
             <a:pPr marL="0" indent="0">
               <a:buNone/>
             </a:pPr>
-            <a:r>
-              <a:rPr lang="en-US" dirty="0" smtClean="0"/>
-              <a:t/>
-            </a:r>
             <a:br>
               <a:rPr lang="en-US" dirty="0" smtClean="0"/>
             </a:br>
@@ -3979,7 +3915,7 @@
           <p:nvPr/>
         </p:nvPicPr>
         <p:blipFill>
-          <a:blip r:embed="rId2">
+          <a:blip r:embed="rId1">
             <a:extLst>
               <a:ext uri="{28A0092B-C50C-407E-A947-70E740481C1C}">
                 <a14:useLocalDpi xmlns:a14="http://schemas.microsoft.com/office/drawing/2010/main" val="0"/>
@@ -4012,11 +3948,6 @@
         </p:spPr>
       </p:pic>
     </p:spTree>
-    <p:extLst>
-      <p:ext uri="{BB962C8B-B14F-4D97-AF65-F5344CB8AC3E}">
-        <p14:creationId xmlns:p14="http://schemas.microsoft.com/office/powerpoint/2010/main" val="3622370924"/>
-      </p:ext>
-    </p:extLst>
   </p:cSld>
   <p:clrMapOvr>
     <a:masterClrMapping/>
@@ -4092,6 +4023,7 @@
               <a:rPr lang="en-US" dirty="0"/>
               <a:t> for all X. This is an optional step because the denominator is the same for all the classes and so will not affect the probabilities.</a:t>
             </a:r>
+            <a:endParaRPr lang="en-US" dirty="0"/>
           </a:p>
           <a:p>
             <a:pPr marL="0" indent="0">
@@ -4105,6 +4037,7 @@
               <a:rPr lang="en-US" dirty="0"/>
               <a:t>) = 500 / 1000 = 0.50</a:t>
             </a:r>
+            <a:endParaRPr lang="en-US" dirty="0"/>
           </a:p>
           <a:p>
             <a:pPr marL="0" indent="0">
@@ -4118,6 +4051,7 @@
               <a:rPr lang="en-US" dirty="0"/>
               <a:t>) = 650 / 1000 = 0.65</a:t>
             </a:r>
+            <a:endParaRPr lang="en-US" dirty="0"/>
           </a:p>
           <a:p>
             <a:pPr marL="0" indent="0">
@@ -4131,6 +4065,7 @@
               <a:rPr lang="en-US" dirty="0"/>
               <a:t>) = 800 / 1000 = 0.80</a:t>
             </a:r>
+            <a:endParaRPr lang="en-US" dirty="0"/>
           </a:p>
           <a:p>
             <a:pPr marL="0" indent="0">
@@ -4149,7 +4084,7 @@
           <p:nvPr/>
         </p:nvPicPr>
         <p:blipFill>
-          <a:blip r:embed="rId2">
+          <a:blip r:embed="rId1">
             <a:extLst>
               <a:ext uri="{28A0092B-C50C-407E-A947-70E740481C1C}">
                 <a14:useLocalDpi xmlns:a14="http://schemas.microsoft.com/office/drawing/2010/main" val="0"/>
@@ -4182,11 +4117,6 @@
         </p:spPr>
       </p:pic>
     </p:spTree>
-    <p:extLst>
-      <p:ext uri="{BB962C8B-B14F-4D97-AF65-F5344CB8AC3E}">
-        <p14:creationId xmlns:p14="http://schemas.microsoft.com/office/powerpoint/2010/main" val="1333103638"/>
-      </p:ext>
-    </p:extLst>
   </p:cSld>
   <p:clrMapOvr>
     <a:masterClrMapping/>
@@ -4254,6 +4184,7 @@
               <a:rPr lang="en-US" dirty="0"/>
               <a:t>It is the product of conditional probabilities of the 3 features. If you refer back to the formula, it says P(X1 |Y=k). Here X1 is ‘Long’ and k is ‘Banana’. That means the probability the fruit is ‘Long’ given that it is a Banana. In the above table, you have 500 Bananas. Out of that 400 is long. So, P(Long | Banana) = 400/500 = 0.8.</a:t>
             </a:r>
+            <a:endParaRPr lang="en-US" dirty="0"/>
           </a:p>
           <a:p>
             <a:r>
@@ -4286,6 +4217,7 @@
               <a:rPr lang="en-US" dirty="0"/>
               <a:t>| Y=Banana) = 400 / 500 = 0.80</a:t>
             </a:r>
+            <a:endParaRPr lang="en-US" dirty="0"/>
           </a:p>
           <a:p>
             <a:pPr marL="0" indent="0">
@@ -4299,6 +4231,7 @@
               <a:rPr lang="en-US" dirty="0"/>
               <a:t>| Y=Banana) = 350 / 500 = 0.70</a:t>
             </a:r>
+            <a:endParaRPr lang="en-US" dirty="0"/>
           </a:p>
           <a:p>
             <a:pPr marL="0" indent="0">
@@ -4312,12 +4245,14 @@
               <a:rPr lang="en-US" dirty="0"/>
               <a:t>| Y=Banana) = 450 / 500 = 0.90</a:t>
             </a:r>
+            <a:endParaRPr lang="en-US" dirty="0"/>
           </a:p>
           <a:p>
             <a:r>
               <a:rPr lang="en-US" dirty="0"/>
               <a:t>So, the overall probability of Likelihood of evidence for Banana = 0.8 * 0.7 * 0.9 = 0.504</a:t>
             </a:r>
+            <a:endParaRPr lang="en-US" dirty="0"/>
           </a:p>
           <a:p>
             <a:pPr marL="0" indent="0">
@@ -4336,7 +4271,7 @@
           <p:nvPr/>
         </p:nvPicPr>
         <p:blipFill>
-          <a:blip r:embed="rId2">
+          <a:blip r:embed="rId1">
             <a:extLst>
               <a:ext uri="{28A0092B-C50C-407E-A947-70E740481C1C}">
                 <a14:useLocalDpi xmlns:a14="http://schemas.microsoft.com/office/drawing/2010/main" val="0"/>
@@ -4369,11 +4304,6 @@
         </p:spPr>
       </p:pic>
     </p:spTree>
-    <p:extLst>
-      <p:ext uri="{BB962C8B-B14F-4D97-AF65-F5344CB8AC3E}">
-        <p14:creationId xmlns:p14="http://schemas.microsoft.com/office/powerpoint/2010/main" val="363151181"/>
-      </p:ext>
-    </p:extLst>
   </p:cSld>
   <p:clrMapOvr>
     <a:masterClrMapping/>
@@ -4440,15 +4370,9 @@
             <a:pPr marL="0" indent="0">
               <a:buNone/>
             </a:pPr>
-            <a:r>
-              <a:rPr lang="en-US" sz="1800" dirty="0">
-                <a:hlinkClick r:id="rId2"/>
-              </a:rPr>
-              <a:t/>
-            </a:r>
             <a:br>
               <a:rPr lang="en-US" sz="1800" dirty="0">
-                <a:hlinkClick r:id="rId2"/>
+                <a:hlinkClick r:id="rId1"/>
               </a:rPr>
             </a:br>
             <a:endParaRPr lang="en-US" sz="1800" dirty="0" smtClean="0"/>
@@ -4464,7 +4388,7 @@
           <p:nvPr/>
         </p:nvPicPr>
         <p:blipFill>
-          <a:blip r:embed="rId3">
+          <a:blip r:embed="rId2">
             <a:extLst>
               <a:ext uri="{28A0092B-C50C-407E-A947-70E740481C1C}">
                 <a14:useLocalDpi xmlns:a14="http://schemas.microsoft.com/office/drawing/2010/main" val="0"/>
@@ -4505,7 +4429,7 @@
           <p:nvPr/>
         </p:nvPicPr>
         <p:blipFill>
-          <a:blip r:embed="rId4">
+          <a:blip r:embed="rId3">
             <a:extLst>
               <a:ext uri="{28A0092B-C50C-407E-A947-70E740481C1C}">
                 <a14:useLocalDpi xmlns:a14="http://schemas.microsoft.com/office/drawing/2010/main" val="0"/>
@@ -4583,6 +4507,7 @@
               <a:rPr lang="en-US" dirty="0" smtClean="0"/>
               <a:t>.</a:t>
             </a:r>
+            <a:endParaRPr lang="en-US" dirty="0" smtClean="0"/>
           </a:p>
           <a:p>
             <a:endParaRPr lang="en-US" dirty="0"/>
@@ -4592,18 +4517,14 @@
               <a:rPr lang="en-US" dirty="0"/>
               <a:t>Clearly, Banana gets the highest probability, so that will be our predicted class.</a:t>
             </a:r>
-          </a:p>
-          <a:p>
             <a:endParaRPr lang="en-US" dirty="0"/>
           </a:p>
+          <a:p>
+            <a:endParaRPr lang="en-US" dirty="0"/>
+          </a:p>
         </p:txBody>
       </p:sp>
     </p:spTree>
-    <p:extLst>
-      <p:ext uri="{BB962C8B-B14F-4D97-AF65-F5344CB8AC3E}">
-        <p14:creationId xmlns:p14="http://schemas.microsoft.com/office/powerpoint/2010/main" val="3076257823"/>
-      </p:ext>
-    </p:extLst>
   </p:cSld>
   <p:clrMapOvr>
     <a:masterClrMapping/>
@@ -4688,6 +4609,7 @@
               <a:rPr lang="en-US" i="1" dirty="0" smtClean="0"/>
               <a:t>.</a:t>
             </a:r>
+            <a:endParaRPr lang="en-US" i="1" dirty="0" smtClean="0"/>
           </a:p>
           <a:p>
             <a:pPr marL="0" indent="0">
@@ -4718,6 +4640,7 @@
               <a:rPr lang="en-US" dirty="0" smtClean="0"/>
               <a:t>.</a:t>
             </a:r>
+            <a:endParaRPr lang="en-US" dirty="0" smtClean="0"/>
           </a:p>
           <a:p>
             <a:pPr marL="0" indent="0">
@@ -4744,15 +4667,11 @@
               <a:rPr lang="en-US" dirty="0"/>
               <a:t>It is based on the works of Rev. Thomas Bayes (1702–61) and hence the name.</a:t>
             </a:r>
+            <a:endParaRPr lang="en-US" dirty="0"/>
           </a:p>
         </p:txBody>
       </p:sp>
     </p:spTree>
-    <p:extLst>
-      <p:ext uri="{BB962C8B-B14F-4D97-AF65-F5344CB8AC3E}">
-        <p14:creationId xmlns:p14="http://schemas.microsoft.com/office/powerpoint/2010/main" val="2422383971"/>
-      </p:ext>
-    </p:extLst>
   </p:cSld>
   <p:clrMapOvr>
     <a:masterClrMapping/>
@@ -4841,18 +4760,21 @@
               <a:rPr lang="en-US" dirty="0"/>
               <a:t>The value of P(Orange | Long, Sweet and Yellow) was zero in the above example, because, P(Long | Orange) was zero. That is, there were no ‘Long’ oranges in the training data.</a:t>
             </a:r>
+            <a:endParaRPr lang="en-US" dirty="0"/>
           </a:p>
           <a:p>
             <a:r>
               <a:rPr lang="en-US" dirty="0"/>
               <a:t>It makes sense, but when you have a model with many features, the entire probability will become zero because one of the feature’s value was zero. To avoid this, we increase the count of the variable with zero to a small value (usually 1) in the numerator, so that the overall probability doesn’t become zero.</a:t>
             </a:r>
+            <a:endParaRPr lang="en-US" dirty="0"/>
           </a:p>
           <a:p>
             <a:r>
               <a:rPr lang="en-US" dirty="0"/>
               <a:t>This correction is called ‘Laplace Correction’. Most Naive Bayes model implementations accept this or an equivalent form of correction as a parameter.</a:t>
             </a:r>
+            <a:endParaRPr lang="en-US" dirty="0"/>
           </a:p>
           <a:p>
             <a:pPr marL="0" indent="0">
@@ -4863,11 +4785,6 @@
         </p:txBody>
       </p:sp>
     </p:spTree>
-    <p:extLst>
-      <p:ext uri="{BB962C8B-B14F-4D97-AF65-F5344CB8AC3E}">
-        <p14:creationId xmlns:p14="http://schemas.microsoft.com/office/powerpoint/2010/main" val="1028026864"/>
-      </p:ext>
-    </p:extLst>
   </p:cSld>
   <p:clrMapOvr>
     <a:masterClrMapping/>
@@ -4951,6 +4868,7 @@
               <a:rPr lang="en-US" dirty="0" smtClean="0"/>
               <a:t>Using Naïve Bayes Classify :</a:t>
             </a:r>
+            <a:endParaRPr lang="en-US" dirty="0" smtClean="0"/>
           </a:p>
           <a:p>
             <a:pPr marL="0" indent="0">
@@ -4964,6 +4882,7 @@
               <a:rPr lang="en-US" dirty="0" smtClean="0"/>
               <a:t>                Red, Domestic, SUV      (Yes/No) </a:t>
             </a:r>
+            <a:endParaRPr lang="en-US" dirty="0" smtClean="0"/>
           </a:p>
           <a:p>
             <a:pPr marL="0" indent="0">
@@ -4986,7 +4905,7 @@
           <p:nvPr/>
         </p:nvPicPr>
         <p:blipFill>
-          <a:blip r:embed="rId2"/>
+          <a:blip r:embed="rId1"/>
           <a:stretch>
             <a:fillRect/>
           </a:stretch>
@@ -5043,7 +4962,7 @@
         <p:spPr>
           <a:xfrm>
             <a:off x="1935860" y="5095922"/>
-            <a:ext cx="8651536" cy="1323439"/>
+            <a:ext cx="8568055" cy="1322070"/>
           </a:xfrm>
           <a:prstGeom prst="rect">
             <a:avLst/>
@@ -5070,7 +4989,7 @@
                   <a:srgbClr val="FF0000"/>
                 </a:solidFill>
               </a:rPr>
-              <a:t>20</a:t>
+              <a:t>25</a:t>
             </a:r>
             <a:r>
               <a:rPr lang="en-US" sz="4000" baseline="30000" dirty="0" smtClean="0">
@@ -5100,11 +5019,6 @@
         </p:txBody>
       </p:sp>
     </p:spTree>
-    <p:extLst>
-      <p:ext uri="{BB962C8B-B14F-4D97-AF65-F5344CB8AC3E}">
-        <p14:creationId xmlns:p14="http://schemas.microsoft.com/office/powerpoint/2010/main" val="1033906620"/>
-      </p:ext>
-    </p:extLst>
   </p:cSld>
   <p:clrMapOvr>
     <a:masterClrMapping/>
@@ -5273,15 +5187,11 @@
               <a:rPr lang="en-US" sz="3200" dirty="0"/>
               <a:t> is used because it assumes the features that go into the model is independent of each other. That is changing the value of one feature, does not directly influence or change the value of any of the other features used in the algorithm.</a:t>
             </a:r>
+            <a:endParaRPr lang="en-US" sz="3200" dirty="0"/>
           </a:p>
         </p:txBody>
       </p:sp>
     </p:spTree>
-    <p:extLst>
-      <p:ext uri="{BB962C8B-B14F-4D97-AF65-F5344CB8AC3E}">
-        <p14:creationId xmlns:p14="http://schemas.microsoft.com/office/powerpoint/2010/main" val="694050599"/>
-      </p:ext>
-    </p:extLst>
   </p:cSld>
   <p:clrMapOvr>
     <a:masterClrMapping/>
@@ -5332,6 +5242,7 @@
               <a:rPr lang="en-US" dirty="0"/>
               <a:t>But why is it so popular?</a:t>
             </a:r>
+            <a:endParaRPr lang="en-US" dirty="0"/>
           </a:p>
         </p:txBody>
       </p:sp>
@@ -5378,15 +5289,11 @@
               <a:rPr lang="en-US" sz="3200" dirty="0"/>
               <a:t>the algorithm of choice for real-world applications (apps) that are required to respond to user’s requests instantaneously.</a:t>
             </a:r>
+            <a:endParaRPr lang="en-US" sz="3200" dirty="0"/>
           </a:p>
         </p:txBody>
       </p:sp>
     </p:spTree>
-    <p:extLst>
-      <p:ext uri="{BB962C8B-B14F-4D97-AF65-F5344CB8AC3E}">
-        <p14:creationId xmlns:p14="http://schemas.microsoft.com/office/powerpoint/2010/main" val="2096128512"/>
-      </p:ext>
-    </p:extLst>
   </p:cSld>
   <p:clrMapOvr>
     <a:masterClrMapping/>
@@ -5479,6 +5386,7 @@
               <a:rPr lang="en-US" dirty="0" smtClean="0"/>
               <a:t>Bayes there is a need to understand:</a:t>
             </a:r>
+            <a:endParaRPr lang="en-US" dirty="0" smtClean="0"/>
           </a:p>
           <a:p>
             <a:pPr marL="0" indent="0">
@@ -5492,6 +5400,7 @@
               <a:rPr lang="en-US" dirty="0" smtClean="0"/>
               <a:t>   </a:t>
             </a:r>
+            <a:endParaRPr lang="en-US" dirty="0" smtClean="0"/>
           </a:p>
           <a:p>
             <a:pPr>
@@ -5513,6 +5422,7 @@
               <a:rPr lang="en-US" dirty="0" smtClean="0"/>
               <a:t>?</a:t>
             </a:r>
+            <a:endParaRPr lang="en-US" dirty="0" smtClean="0"/>
           </a:p>
           <a:p>
             <a:pPr>
@@ -5538,6 +5448,7 @@
               <a:rPr lang="en-US" dirty="0" smtClean="0"/>
               <a:t>’?</a:t>
             </a:r>
+            <a:endParaRPr lang="en-US" dirty="0" smtClean="0"/>
           </a:p>
           <a:p>
             <a:pPr marL="0" indent="0">
@@ -5552,11 +5463,6 @@
         </p:txBody>
       </p:sp>
     </p:spTree>
-    <p:extLst>
-      <p:ext uri="{BB962C8B-B14F-4D97-AF65-F5344CB8AC3E}">
-        <p14:creationId xmlns:p14="http://schemas.microsoft.com/office/powerpoint/2010/main" val="814116080"/>
-      </p:ext>
-    </p:extLst>
   </p:cSld>
   <p:clrMapOvr>
     <a:masterClrMapping/>
@@ -5639,6 +5545,7 @@
               <a:rPr lang="en-US" sz="3200" dirty="0" smtClean="0"/>
               <a:t>.</a:t>
             </a:r>
+            <a:endParaRPr lang="en-US" sz="3200" dirty="0" smtClean="0"/>
           </a:p>
           <a:p>
             <a:pPr algn="just">
@@ -5650,15 +5557,11 @@
               <a:rPr lang="en-US" sz="3200" dirty="0"/>
               <a:t>Mathematically, Conditional probability of A given B can be computed as: P(A|B) = P(A AND B) / P(B)</a:t>
             </a:r>
+            <a:endParaRPr lang="en-US" sz="3200" dirty="0"/>
           </a:p>
         </p:txBody>
       </p:sp>
     </p:spTree>
-    <p:extLst>
-      <p:ext uri="{BB962C8B-B14F-4D97-AF65-F5344CB8AC3E}">
-        <p14:creationId xmlns:p14="http://schemas.microsoft.com/office/powerpoint/2010/main" val="2152503511"/>
-      </p:ext>
-    </p:extLst>
   </p:cSld>
   <p:clrMapOvr>
     <a:masterClrMapping/>
@@ -5750,12 +5653,14 @@
               <a:rPr lang="en-US" sz="2000" dirty="0" smtClean="0"/>
               <a:t>’.</a:t>
             </a:r>
+            <a:endParaRPr lang="en-US" sz="2000" dirty="0" smtClean="0"/>
           </a:p>
           <a:p>
             <a:r>
               <a:rPr lang="en-US" sz="2000" dirty="0"/>
               <a:t>With below tabulation of the 100 people, what is the conditional probability that a certain member of the school is a ‘Teacher’ given that he is a ‘Man’?</a:t>
             </a:r>
+            <a:endParaRPr lang="en-US" sz="2000" dirty="0"/>
           </a:p>
         </p:txBody>
       </p:sp>
@@ -5768,7 +5673,7 @@
           <p:nvPr/>
         </p:nvPicPr>
         <p:blipFill>
-          <a:blip r:embed="rId2">
+          <a:blip r:embed="rId1">
             <a:extLst>
               <a:ext uri="{28A0092B-C50C-407E-A947-70E740481C1C}">
                 <a14:useLocalDpi xmlns:a14="http://schemas.microsoft.com/office/drawing/2010/main" val="0"/>
@@ -5830,6 +5735,7 @@
               <a:rPr lang="en-US" dirty="0"/>
               <a:t>probability P(Teacher | Male) = 12 / 60 = 0.2.</a:t>
             </a:r>
+            <a:endParaRPr lang="en-US" dirty="0"/>
           </a:p>
         </p:txBody>
       </p:sp>
@@ -5842,7 +5748,7 @@
           <p:nvPr/>
         </p:nvPicPr>
         <p:blipFill>
-          <a:blip r:embed="rId3">
+          <a:blip r:embed="rId2">
             <a:extLst>
               <a:ext uri="{28A0092B-C50C-407E-A947-70E740481C1C}">
                 <a14:useLocalDpi xmlns:a14="http://schemas.microsoft.com/office/drawing/2010/main" val="0"/>
@@ -5875,11 +5781,6 @@
         </p:spPr>
       </p:pic>
     </p:spTree>
-    <p:extLst>
-      <p:ext uri="{BB962C8B-B14F-4D97-AF65-F5344CB8AC3E}">
-        <p14:creationId xmlns:p14="http://schemas.microsoft.com/office/powerpoint/2010/main" val="1428833638"/>
-      </p:ext>
-    </p:extLst>
   </p:cSld>
   <p:clrMapOvr>
     <a:masterClrMapping/>
@@ -5940,6 +5841,7 @@
               <a:rPr lang="en-US" dirty="0"/>
               <a:t>This can be represented as the intersection of Teacher (A) and Male (B) divided by Male (B). Likewise, the conditional probability of B given A can be computed. The Bayes Rule that we use for Naive Bayes, can be derived from these two notations.</a:t>
             </a:r>
+            <a:endParaRPr lang="en-US" dirty="0"/>
           </a:p>
         </p:txBody>
       </p:sp>
@@ -5952,7 +5854,7 @@
           <p:nvPr/>
         </p:nvPicPr>
         <p:blipFill>
-          <a:blip r:embed="rId2">
+          <a:blip r:embed="rId1">
             <a:extLst>
               <a:ext uri="{28A0092B-C50C-407E-A947-70E740481C1C}">
                 <a14:useLocalDpi xmlns:a14="http://schemas.microsoft.com/office/drawing/2010/main" val="0"/>
@@ -5993,7 +5895,7 @@
           <p:nvPr/>
         </p:nvPicPr>
         <p:blipFill>
-          <a:blip r:embed="rId3">
+          <a:blip r:embed="rId2">
             <a:extLst>
               <a:ext uri="{28A0092B-C50C-407E-A947-70E740481C1C}">
                 <a14:useLocalDpi xmlns:a14="http://schemas.microsoft.com/office/drawing/2010/main" val="0"/>
@@ -6026,11 +5928,6 @@
         </p:spPr>
       </p:pic>
     </p:spTree>
-    <p:extLst>
-      <p:ext uri="{BB962C8B-B14F-4D97-AF65-F5344CB8AC3E}">
-        <p14:creationId xmlns:p14="http://schemas.microsoft.com/office/powerpoint/2010/main" val="2409181064"/>
-      </p:ext>
-    </p:extLst>
   </p:cSld>
   <p:clrMapOvr>
     <a:masterClrMapping/>
@@ -6118,6 +6015,7 @@
               <a:rPr lang="en-US" dirty="0" smtClean="0"/>
               <a:t>).</a:t>
             </a:r>
+            <a:endParaRPr lang="en-US" dirty="0" smtClean="0"/>
           </a:p>
           <a:p>
             <a:pPr>
@@ -6133,6 +6031,7 @@
               <a:rPr lang="en-US" dirty="0" smtClean="0"/>
               <a:t>.</a:t>
             </a:r>
+            <a:endParaRPr lang="en-US" dirty="0" smtClean="0"/>
           </a:p>
           <a:p>
             <a:pPr>
@@ -6144,15 +6043,11 @@
               <a:rPr lang="en-US" dirty="0"/>
               <a:t>What happens if Y has more than 2 categories? we compute the probability of each class of Y and let the highest win.</a:t>
             </a:r>
+            <a:endParaRPr lang="en-US" dirty="0"/>
           </a:p>
         </p:txBody>
       </p:sp>
     </p:spTree>
-    <p:extLst>
-      <p:ext uri="{BB962C8B-B14F-4D97-AF65-F5344CB8AC3E}">
-        <p14:creationId xmlns:p14="http://schemas.microsoft.com/office/powerpoint/2010/main" val="4099613505"/>
-      </p:ext>
-    </p:extLst>
   </p:cSld>
   <p:clrMapOvr>
     <a:masterClrMapping/>
@@ -6210,7 +6105,7 @@
     </a:clrScheme>
     <a:fontScheme name="Office">
       <a:majorFont>
-        <a:latin typeface="Calibri Light" panose="020F0302020204030204"/>
+        <a:latin typeface="Calibri Light"/>
         <a:ea typeface=""/>
         <a:cs typeface=""/>
         <a:font script="Jpan" typeface="ＭＳ Ｐゴシック"/>
@@ -6245,7 +6140,7 @@
         <a:font script="Geor" typeface="Sylfaen"/>
       </a:majorFont>
       <a:minorFont>
-        <a:latin typeface="Calibri" panose="020F0502020204030204"/>
+        <a:latin typeface="Calibri"/>
         <a:ea typeface=""/>
         <a:cs typeface=""/>
         <a:font script="Jpan" typeface="ＭＳ Ｐゴシック"/>
@@ -6418,8 +6313,6 @@
       </a:bgFillStyleLst>
     </a:fmtScheme>
   </a:themeElements>
-  <a:objectDefaults/>
-  <a:extraClrSchemeLst/>
   <a:extLst>
     <a:ext uri="{05A4C25C-085E-4340-85A3-A5531E510DB2}">
       <thm15:themeFamily xmlns:thm15="http://schemas.microsoft.com/office/thememl/2012/main" name="Office Theme" id="{62F939B6-93AF-4DB8-9C6B-D6C7DFDC589F}" vid="{4A3C46E8-61CC-4603-A589-7422A47A8E4A}"/>
